--- a/Условный оператор/Условный оператор.pptx
+++ b/Условный оператор/Условный оператор.pptx
@@ -840,7 +840,7 @@
           <a:p>
             <a:fld id="{317EF784-A284-4451-AF33-944B2EC42229}" type="datetimeFigureOut">
               <a:rPr lang="ru-RU" smtClean="0"/>
-              <a:t>21.11.2021</a:t>
+              <a:t>24.11.2021</a:t>
             </a:fld>
             <a:endParaRPr lang="ru-RU"/>
           </a:p>
@@ -1091,7 +1091,7 @@
           <a:p>
             <a:fld id="{317EF784-A284-4451-AF33-944B2EC42229}" type="datetimeFigureOut">
               <a:rPr lang="ru-RU" smtClean="0"/>
-              <a:t>21.11.2021</a:t>
+              <a:t>24.11.2021</a:t>
             </a:fld>
             <a:endParaRPr lang="ru-RU"/>
           </a:p>
@@ -1405,7 +1405,7 @@
           <a:p>
             <a:fld id="{317EF784-A284-4451-AF33-944B2EC42229}" type="datetimeFigureOut">
               <a:rPr lang="ru-RU" smtClean="0"/>
-              <a:t>21.11.2021</a:t>
+              <a:t>24.11.2021</a:t>
             </a:fld>
             <a:endParaRPr lang="ru-RU"/>
           </a:p>
@@ -1732,7 +1732,7 @@
           <a:p>
             <a:fld id="{317EF784-A284-4451-AF33-944B2EC42229}" type="datetimeFigureOut">
               <a:rPr lang="ru-RU" smtClean="0"/>
-              <a:t>21.11.2021</a:t>
+              <a:t>24.11.2021</a:t>
             </a:fld>
             <a:endParaRPr lang="ru-RU"/>
           </a:p>
@@ -2046,7 +2046,7 @@
           <a:p>
             <a:fld id="{317EF784-A284-4451-AF33-944B2EC42229}" type="datetimeFigureOut">
               <a:rPr lang="ru-RU" smtClean="0"/>
-              <a:t>21.11.2021</a:t>
+              <a:t>24.11.2021</a:t>
             </a:fld>
             <a:endParaRPr lang="ru-RU"/>
           </a:p>
@@ -2433,7 +2433,7 @@
           <a:p>
             <a:fld id="{317EF784-A284-4451-AF33-944B2EC42229}" type="datetimeFigureOut">
               <a:rPr lang="ru-RU" smtClean="0"/>
-              <a:t>21.11.2021</a:t>
+              <a:t>24.11.2021</a:t>
             </a:fld>
             <a:endParaRPr lang="ru-RU"/>
           </a:p>
@@ -2603,7 +2603,7 @@
           <a:p>
             <a:fld id="{317EF784-A284-4451-AF33-944B2EC42229}" type="datetimeFigureOut">
               <a:rPr lang="ru-RU" smtClean="0"/>
-              <a:t>21.11.2021</a:t>
+              <a:t>24.11.2021</a:t>
             </a:fld>
             <a:endParaRPr lang="ru-RU"/>
           </a:p>
@@ -2783,7 +2783,7 @@
           <a:p>
             <a:fld id="{317EF784-A284-4451-AF33-944B2EC42229}" type="datetimeFigureOut">
               <a:rPr lang="ru-RU" smtClean="0"/>
-              <a:t>21.11.2021</a:t>
+              <a:t>24.11.2021</a:t>
             </a:fld>
             <a:endParaRPr lang="ru-RU"/>
           </a:p>
@@ -2959,7 +2959,7 @@
           <a:p>
             <a:fld id="{317EF784-A284-4451-AF33-944B2EC42229}" type="datetimeFigureOut">
               <a:rPr lang="ru-RU" smtClean="0"/>
-              <a:t>21.11.2021</a:t>
+              <a:t>24.11.2021</a:t>
             </a:fld>
             <a:endParaRPr lang="ru-RU"/>
           </a:p>
@@ -3206,7 +3206,7 @@
           <a:p>
             <a:fld id="{317EF784-A284-4451-AF33-944B2EC42229}" type="datetimeFigureOut">
               <a:rPr lang="ru-RU" smtClean="0"/>
-              <a:t>21.11.2021</a:t>
+              <a:t>24.11.2021</a:t>
             </a:fld>
             <a:endParaRPr lang="ru-RU"/>
           </a:p>
@@ -3438,7 +3438,7 @@
           <a:p>
             <a:fld id="{317EF784-A284-4451-AF33-944B2EC42229}" type="datetimeFigureOut">
               <a:rPr lang="ru-RU" smtClean="0"/>
-              <a:t>21.11.2021</a:t>
+              <a:t>24.11.2021</a:t>
             </a:fld>
             <a:endParaRPr lang="ru-RU"/>
           </a:p>
@@ -3812,7 +3812,7 @@
           <a:p>
             <a:fld id="{317EF784-A284-4451-AF33-944B2EC42229}" type="datetimeFigureOut">
               <a:rPr lang="ru-RU" smtClean="0"/>
-              <a:t>21.11.2021</a:t>
+              <a:t>24.11.2021</a:t>
             </a:fld>
             <a:endParaRPr lang="ru-RU"/>
           </a:p>
@@ -3935,7 +3935,7 @@
           <a:p>
             <a:fld id="{317EF784-A284-4451-AF33-944B2EC42229}" type="datetimeFigureOut">
               <a:rPr lang="ru-RU" smtClean="0"/>
-              <a:t>21.11.2021</a:t>
+              <a:t>24.11.2021</a:t>
             </a:fld>
             <a:endParaRPr lang="ru-RU"/>
           </a:p>
@@ -4030,7 +4030,7 @@
           <a:p>
             <a:fld id="{317EF784-A284-4451-AF33-944B2EC42229}" type="datetimeFigureOut">
               <a:rPr lang="ru-RU" smtClean="0"/>
-              <a:t>21.11.2021</a:t>
+              <a:t>24.11.2021</a:t>
             </a:fld>
             <a:endParaRPr lang="ru-RU"/>
           </a:p>
@@ -4285,7 +4285,7 @@
           <a:p>
             <a:fld id="{317EF784-A284-4451-AF33-944B2EC42229}" type="datetimeFigureOut">
               <a:rPr lang="ru-RU" smtClean="0"/>
-              <a:t>21.11.2021</a:t>
+              <a:t>24.11.2021</a:t>
             </a:fld>
             <a:endParaRPr lang="ru-RU"/>
           </a:p>
@@ -4548,7 +4548,7 @@
           <a:p>
             <a:fld id="{317EF784-A284-4451-AF33-944B2EC42229}" type="datetimeFigureOut">
               <a:rPr lang="ru-RU" smtClean="0"/>
-              <a:t>21.11.2021</a:t>
+              <a:t>24.11.2021</a:t>
             </a:fld>
             <a:endParaRPr lang="ru-RU"/>
           </a:p>
@@ -5293,7 +5293,7 @@
           <a:p>
             <a:fld id="{317EF784-A284-4451-AF33-944B2EC42229}" type="datetimeFigureOut">
               <a:rPr lang="ru-RU" smtClean="0"/>
-              <a:t>21.11.2021</a:t>
+              <a:t>24.11.2021</a:t>
             </a:fld>
             <a:endParaRPr lang="ru-RU"/>
           </a:p>
@@ -5884,6 +5884,13 @@
   <p:clrMapOvr>
     <a:masterClrMapping/>
   </p:clrMapOvr>
+  <p:timing>
+    <p:tnLst>
+      <p:par>
+        <p:cTn id="1" dur="indefinite" restart="never" nodeType="tmRoot"/>
+      </p:par>
+    </p:tnLst>
+  </p:timing>
 </p:sld>
 </file>
 
@@ -5921,11 +5928,7 @@
           <a:p>
             <a:r>
               <a:rPr lang="ru-RU" dirty="0" smtClean="0"/>
-              <a:t>Что </a:t>
-            </a:r>
-            <a:r>
-              <a:rPr lang="ru-RU" dirty="0" smtClean="0"/>
-              <a:t>такое условный оператор</a:t>
+              <a:t>Что такое условный оператор</a:t>
             </a:r>
             <a:endParaRPr lang="ru-RU" dirty="0"/>
           </a:p>
@@ -5964,14 +5967,12 @@
               <a:rPr lang="ru-RU" dirty="0" smtClean="0"/>
               <a:t>Условный оператор представляет из себя два блока действий – первый блок описывает набор операций в случае выполнения заданного условия, второй блок – в случае, если оно не выполняется</a:t>
             </a:r>
-            <a:endParaRPr lang="ru-RU" dirty="0" smtClean="0"/>
           </a:p>
           <a:p>
             <a:r>
               <a:rPr lang="ru-RU" dirty="0" smtClean="0"/>
               <a:t>Второй блок в условном операторе может отсутствовать</a:t>
             </a:r>
-            <a:endParaRPr lang="ru-RU" dirty="0" smtClean="0"/>
           </a:p>
         </p:txBody>
       </p:sp>
@@ -6009,6 +6010,13 @@
   <p:clrMapOvr>
     <a:masterClrMapping/>
   </p:clrMapOvr>
+  <p:timing>
+    <p:tnLst>
+      <p:par>
+        <p:cTn id="1" dur="indefinite" restart="never" nodeType="tmRoot"/>
+      </p:par>
+    </p:tnLst>
+  </p:timing>
 </p:sld>
 </file>
 
@@ -6119,6 +6127,13 @@
   <p:clrMapOvr>
     <a:masterClrMapping/>
   </p:clrMapOvr>
+  <p:timing>
+    <p:tnLst>
+      <p:par>
+        <p:cTn id="1" dur="indefinite" restart="never" nodeType="tmRoot"/>
+      </p:par>
+    </p:tnLst>
+  </p:timing>
 </p:sld>
 </file>
 
@@ -6230,6 +6245,13 @@
   <p:clrMapOvr>
     <a:masterClrMapping/>
   </p:clrMapOvr>
+  <p:timing>
+    <p:tnLst>
+      <p:par>
+        <p:cTn id="1" dur="indefinite" restart="never" nodeType="tmRoot"/>
+      </p:par>
+    </p:tnLst>
+  </p:timing>
 </p:sld>
 </file>
 
@@ -6348,6 +6370,13 @@
   <p:clrMapOvr>
     <a:masterClrMapping/>
   </p:clrMapOvr>
+  <p:timing>
+    <p:tnLst>
+      <p:par>
+        <p:cTn id="1" dur="indefinite" restart="never" nodeType="tmRoot"/>
+      </p:par>
+    </p:tnLst>
+  </p:timing>
 </p:sld>
 </file>
 
